--- a/ppt/1-retry.pptx
+++ b/ppt/1-retry.pptx
@@ -6,7 +6,7 @@
     <p:sldMasterId id="2147483660" r:id="rId3"/>
   </p:sldMasterIdLst>
   <p:notesMasterIdLst>
-    <p:notesMasterId r:id="rId13"/>
+    <p:notesMasterId r:id="rId11"/>
   </p:notesMasterIdLst>
   <p:sldIdLst>
     <p:sldId id="259" r:id="rId4"/>
@@ -16,13 +16,11 @@
     <p:sldId id="266" r:id="rId8"/>
     <p:sldId id="267" r:id="rId9"/>
     <p:sldId id="281" r:id="rId10"/>
-    <p:sldId id="280" r:id="rId11"/>
-    <p:sldId id="263" r:id="rId12"/>
   </p:sldIdLst>
   <p:sldSz cx="12192000" cy="6858000"/>
   <p:notesSz cx="6858000" cy="9144000"/>
   <p:custDataLst>
-    <p:tags r:id="rId18"/>
+    <p:tags r:id="rId16"/>
   </p:custDataLst>
   <p:defaultTextStyle>
     <a:defPPr>
@@ -13335,276 +13333,6 @@
 </p:sld>
 </file>
 
-<file path=ppt/slides/slide8.xml><?xml version="1.0" encoding="utf-8"?>
-<p:sld xmlns:a="http://schemas.openxmlformats.org/drawingml/2006/main" xmlns:r="http://schemas.openxmlformats.org/officeDocument/2006/relationships" xmlns:p="http://schemas.openxmlformats.org/presentationml/2006/main">
-  <p:cSld>
-    <p:spTree>
-      <p:nvGrpSpPr>
-        <p:cNvPr id="1" name=""/>
-        <p:cNvGrpSpPr/>
-        <p:nvPr/>
-      </p:nvGrpSpPr>
-      <p:grpSpPr/>
-      <p:sp>
-        <p:nvSpPr>
-          <p:cNvPr id="2" name="标题 1"/>
-          <p:cNvSpPr>
-            <a:spLocks noGrp="1"/>
-          </p:cNvSpPr>
-          <p:nvPr>
-            <p:ph type="title"/>
-          </p:nvPr>
-        </p:nvSpPr>
-        <p:spPr/>
-        <p:txBody>
-          <a:bodyPr/>
-          <a:p>
-            <a:r>
-              <a:rPr altLang="zh-CN"/>
-              <a:t>上期视频纠错</a:t>
-            </a:r>
-            <a:endParaRPr altLang="zh-CN"/>
-          </a:p>
-        </p:txBody>
-      </p:sp>
-      <p:pic>
-        <p:nvPicPr>
-          <p:cNvPr id="4" name="内容占位符 3"/>
-          <p:cNvPicPr>
-            <a:picLocks noChangeAspect="1"/>
-          </p:cNvPicPr>
-          <p:nvPr>
-            <p:ph idx="1"/>
-            <p:custDataLst>
-              <p:tags r:id="rId1"/>
-            </p:custDataLst>
-          </p:nvPr>
-        </p:nvPicPr>
-        <p:blipFill>
-          <a:blip r:embed="rId2"/>
-          <a:stretch>
-            <a:fillRect/>
-          </a:stretch>
-        </p:blipFill>
-        <p:spPr>
-          <a:xfrm>
-            <a:off x="669925" y="1150620"/>
-            <a:ext cx="6524625" cy="1352550"/>
-          </a:xfrm>
-          <a:prstGeom prst="rect">
-            <a:avLst/>
-          </a:prstGeom>
-        </p:spPr>
-      </p:pic>
-      <p:pic>
-        <p:nvPicPr>
-          <p:cNvPr id="5" name="图片 4"/>
-          <p:cNvPicPr>
-            <a:picLocks noChangeAspect="1"/>
-          </p:cNvPicPr>
-          <p:nvPr>
-            <p:custDataLst>
-              <p:tags r:id="rId3"/>
-            </p:custDataLst>
-          </p:nvPr>
-        </p:nvPicPr>
-        <p:blipFill>
-          <a:blip r:embed="rId4"/>
-          <a:stretch>
-            <a:fillRect/>
-          </a:stretch>
-        </p:blipFill>
-        <p:spPr>
-          <a:xfrm>
-            <a:off x="669925" y="2722880"/>
-            <a:ext cx="5136515" cy="2773680"/>
-          </a:xfrm>
-          <a:prstGeom prst="rect">
-            <a:avLst/>
-          </a:prstGeom>
-        </p:spPr>
-      </p:pic>
-      <p:pic>
-        <p:nvPicPr>
-          <p:cNvPr id="6" name="图片 5"/>
-          <p:cNvPicPr>
-            <a:picLocks noChangeAspect="1"/>
-          </p:cNvPicPr>
-          <p:nvPr>
-            <p:custDataLst>
-              <p:tags r:id="rId5"/>
-            </p:custDataLst>
-          </p:nvPr>
-        </p:nvPicPr>
-        <p:blipFill>
-          <a:blip r:embed="rId6"/>
-          <a:stretch>
-            <a:fillRect/>
-          </a:stretch>
-        </p:blipFill>
-        <p:spPr>
-          <a:xfrm>
-            <a:off x="6067425" y="2722880"/>
-            <a:ext cx="5210810" cy="3136265"/>
-          </a:xfrm>
-          <a:prstGeom prst="rect">
-            <a:avLst/>
-          </a:prstGeom>
-        </p:spPr>
-      </p:pic>
-    </p:spTree>
-    <p:custDataLst>
-      <p:tags r:id="rId7"/>
-    </p:custDataLst>
-  </p:cSld>
-  <p:clrMapOvr>
-    <a:masterClrMapping/>
-  </p:clrMapOvr>
-</p:sld>
-</file>
-
-<file path=ppt/slides/slide9.xml><?xml version="1.0" encoding="utf-8"?>
-<p:sld xmlns:a="http://schemas.openxmlformats.org/drawingml/2006/main" xmlns:r="http://schemas.openxmlformats.org/officeDocument/2006/relationships" xmlns:p="http://schemas.openxmlformats.org/presentationml/2006/main">
-  <p:cSld>
-    <p:spTree>
-      <p:nvGrpSpPr>
-        <p:cNvPr id="1" name=""/>
-        <p:cNvGrpSpPr/>
-        <p:nvPr/>
-      </p:nvGrpSpPr>
-      <p:grpSpPr/>
-      <p:sp>
-        <p:nvSpPr>
-          <p:cNvPr id="2" name="标题 1"/>
-          <p:cNvSpPr>
-            <a:spLocks noGrp="1"/>
-          </p:cNvSpPr>
-          <p:nvPr>
-            <p:ph type="title"/>
-          </p:nvPr>
-        </p:nvSpPr>
-        <p:spPr/>
-        <p:txBody>
-          <a:bodyPr/>
-          <a:p>
-            <a:r>
-              <a:rPr lang="zh-CN" altLang="en-US"/>
-              <a:t>一点点细节：延时重试</a:t>
-            </a:r>
-            <a:endParaRPr lang="zh-CN" altLang="en-US"/>
-          </a:p>
-        </p:txBody>
-      </p:sp>
-      <p:sp>
-        <p:nvSpPr>
-          <p:cNvPr id="3" name="内容占位符 2"/>
-          <p:cNvSpPr>
-            <a:spLocks noGrp="1"/>
-          </p:cNvSpPr>
-          <p:nvPr>
-            <p:ph idx="1"/>
-          </p:nvPr>
-        </p:nvSpPr>
-        <p:spPr/>
-        <p:txBody>
-          <a:bodyPr/>
-          <a:p>
-            <a:r>
-              <a:rPr lang="zh-CN" altLang="en-US"/>
-              <a:t>延时</a:t>
-            </a:r>
-            <a:r>
-              <a:rPr lang="en-US" altLang="zh-CN"/>
-              <a:t> Delay</a:t>
-            </a:r>
-            <a:endParaRPr lang="en-US" altLang="zh-CN"/>
-          </a:p>
-          <a:p>
-            <a:pPr lvl="1"/>
-            <a:r>
-              <a:t>固定时间</a:t>
-            </a:r>
-            <a:r>
-              <a:rPr lang="en-US" altLang="zh-CN"/>
-              <a:t> FixedDelay [2, 2, 2]</a:t>
-            </a:r>
-            <a:endParaRPr lang="en-US" altLang="zh-CN"/>
-          </a:p>
-          <a:p>
-            <a:pPr lvl="1"/>
-            <a:r>
-              <a:t>随机时间</a:t>
-            </a:r>
-            <a:r>
-              <a:rPr lang="en-US" altLang="zh-CN"/>
-              <a:t> RandomDelay [2, 1.5, 4]</a:t>
-            </a:r>
-            <a:endParaRPr lang="en-US" altLang="zh-CN"/>
-          </a:p>
-          <a:p>
-            <a:pPr lvl="1"/>
-            <a:r>
-              <a:t>指数增长</a:t>
-            </a:r>
-            <a:r>
-              <a:rPr lang="en-US" altLang="zh-CN"/>
-              <a:t> ExponentialDelay = interval * multiplier  [2, 4, 8]</a:t>
-            </a:r>
-            <a:endParaRPr lang="en-US" altLang="zh-CN"/>
-          </a:p>
-          <a:p>
-            <a:pPr lvl="1"/>
-            <a:r>
-              <a:rPr altLang="zh-CN"/>
-              <a:t>固定区间</a:t>
-            </a:r>
-            <a:r>
-              <a:rPr lang="en-US" altLang="zh-CN"/>
-              <a:t> FixedRangeDelay [1, 3, 15]</a:t>
-            </a:r>
-            <a:endParaRPr lang="en-US" altLang="zh-CN"/>
-          </a:p>
-        </p:txBody>
-      </p:sp>
-      <p:pic>
-        <p:nvPicPr>
-          <p:cNvPr id="4" name="图片 3" descr="细节没的说"/>
-          <p:cNvPicPr>
-            <a:picLocks noChangeAspect="1"/>
-          </p:cNvPicPr>
-          <p:nvPr>
-            <p:custDataLst>
-              <p:tags r:id="rId1"/>
-            </p:custDataLst>
-          </p:nvPr>
-        </p:nvPicPr>
-        <p:blipFill>
-          <a:blip r:embed="rId2"/>
-          <a:stretch>
-            <a:fillRect/>
-          </a:stretch>
-        </p:blipFill>
-        <p:spPr>
-          <a:xfrm>
-            <a:off x="8712200" y="1590675"/>
-            <a:ext cx="1885950" cy="1838325"/>
-          </a:xfrm>
-          <a:prstGeom prst="rect">
-            <a:avLst/>
-          </a:prstGeom>
-        </p:spPr>
-      </p:pic>
-    </p:spTree>
-    <p:custDataLst>
-      <p:tags r:id="rId3"/>
-    </p:custDataLst>
-  </p:cSld>
-  <p:clrMapOvr>
-    <a:masterClrMapping/>
-  </p:clrMapOvr>
-</p:sld>
-</file>
-
 <file path=ppt/tags/tag1.xml><?xml version="1.0" encoding="utf-8"?>
 <p:tagLst xmlns:p="http://schemas.openxmlformats.org/presentationml/2006/main">
   <p:tag name="KSO_WM_UNIT_HIGHLIGHT" val="0"/>
@@ -14379,48 +14107,6 @@
 </file>
 
 <file path=ppt/tags/tag152.xml><?xml version="1.0" encoding="utf-8"?>
-<p:tagLst xmlns:p="http://schemas.openxmlformats.org/presentationml/2006/main">
-  <p:tag name="KSO_WM_BEAUTIFY_FLAG" val=""/>
-</p:tagLst>
-</file>
-
-<file path=ppt/tags/tag153.xml><?xml version="1.0" encoding="utf-8"?>
-<p:tagLst xmlns:p="http://schemas.openxmlformats.org/presentationml/2006/main">
-  <p:tag name="KSO_WM_BEAUTIFY_FLAG" val=""/>
-</p:tagLst>
-</file>
-
-<file path=ppt/tags/tag154.xml><?xml version="1.0" encoding="utf-8"?>
-<p:tagLst xmlns:p="http://schemas.openxmlformats.org/presentationml/2006/main">
-  <p:tag name="KSO_WM_BEAUTIFY_FLAG" val=""/>
-</p:tagLst>
-</file>
-
-<file path=ppt/tags/tag155.xml><?xml version="1.0" encoding="utf-8"?>
-<p:tagLst xmlns:p="http://schemas.openxmlformats.org/presentationml/2006/main">
-  <p:tag name="KSO_WM_BEAUTIFY_FLAG" val="#wm#"/>
-  <p:tag name="KSO_WM_TEMPLATE_CATEGORY" val="custom"/>
-  <p:tag name="KSO_WM_TEMPLATE_INDEX" val="20206915"/>
-  <p:tag name="KSO_WM_SPECIAL_SOURCE" val="bdnull"/>
-</p:tagLst>
-</file>
-
-<file path=ppt/tags/tag156.xml><?xml version="1.0" encoding="utf-8"?>
-<p:tagLst xmlns:p="http://schemas.openxmlformats.org/presentationml/2006/main">
-  <p:tag name="KSO_WM_UNIT_PLACING_PICTURE_USER_VIEWPORT" val="{&quot;height&quot;:2895,&quot;width&quot;:2970}"/>
-</p:tagLst>
-</file>
-
-<file path=ppt/tags/tag157.xml><?xml version="1.0" encoding="utf-8"?>
-<p:tagLst xmlns:p="http://schemas.openxmlformats.org/presentationml/2006/main">
-  <p:tag name="KSO_WM_BEAUTIFY_FLAG" val="#wm#"/>
-  <p:tag name="KSO_WM_TEMPLATE_CATEGORY" val="custom"/>
-  <p:tag name="KSO_WM_TEMPLATE_INDEX" val="20206915"/>
-  <p:tag name="KSO_WM_SPECIAL_SOURCE" val="bdnull"/>
-</p:tagLst>
-</file>
-
-<file path=ppt/tags/tag158.xml><?xml version="1.0" encoding="utf-8"?>
 <p:tagLst xmlns:p="http://schemas.openxmlformats.org/presentationml/2006/main">
   <p:tag name="COMMONDATA" val="eyJoZGlkIjoiMTk0ZTM0YjA0OGJlMWU3NjNjN2FjNDE5MjM4OTExNmYifQ=="/>
   <p:tag name="KSO_WPP_MARK_KEY" val="e9027bc4-18a8-47d9-bece-4cfe44c45ee9"/>
